--- a/Milestones/Milestone 5/Milestone5Rcoon.pptx
+++ b/Milestones/Milestone 5/Milestone5Rcoon.pptx
@@ -4429,11 +4429,11 @@
           <a:p>
             <a:r>
               <a:rPr lang="en-US" altLang="en-US" dirty="0"/>
-              <a:t>I kept getting a lot of errors like this one: “angular can't bind to 'product' since it isn't a known property”. Turns out I had not added a constructor into the section. Lesson is take your time and look it over. Stack overflow is a good help when encountering </a:t>
+              <a:t>I kept getting errors when trying to pass new parameters to the child and not through the parent. Read the errors and they explain themselves. Once I finally got this, I was able to get the functions to work </a:t>
             </a:r>
             <a:r>
               <a:rPr lang="en-US" altLang="en-US"/>
-              <a:t>certain errors as this one.</a:t>
+              <a:t>as intended.</a:t>
             </a:r>
             <a:endParaRPr lang="en-US" altLang="en-US" dirty="0"/>
           </a:p>
